--- a/Squircle experiment/Instructions/Instruction Creator.pptx
+++ b/Squircle experiment/Instructions/Instruction Creator.pptx
@@ -10,8 +10,8 @@
   <p:sldIdLst>
     <p:sldId id="305" r:id="rId2"/>
     <p:sldId id="352" r:id="rId3"/>
-    <p:sldId id="350" r:id="rId4"/>
-    <p:sldId id="351" r:id="rId5"/>
+    <p:sldId id="351" r:id="rId4"/>
+    <p:sldId id="350" r:id="rId5"/>
     <p:sldId id="339" r:id="rId6"/>
   </p:sldIdLst>
   <p:sldSz cx="15240000" cy="8572500"/>
@@ -212,7 +212,7 @@
           <a:p>
             <a:fld id="{7BFF3D6E-A2C1-42A8-BCC7-6301B2F86E79}" type="datetimeFigureOut">
               <a:rPr lang="en-GB" smtClean="0"/>
-              <a:t>14/11/2023</a:t>
+              <a:t>27/11/2023</a:t>
             </a:fld>
             <a:endParaRPr lang="en-GB"/>
           </a:p>
@@ -804,7 +804,7 @@
                 </a:solidFill>
               </a:rPr>
               <a:pPr/>
-              <a:t>11/14/2023</a:t>
+              <a:t>11/27/2023</a:t>
             </a:fld>
             <a:endParaRPr lang="en-US">
               <a:solidFill>
@@ -1006,7 +1006,7 @@
                 </a:solidFill>
               </a:rPr>
               <a:pPr/>
-              <a:t>11/14/2023</a:t>
+              <a:t>11/27/2023</a:t>
             </a:fld>
             <a:endParaRPr lang="en-US">
               <a:solidFill>
@@ -1218,7 +1218,7 @@
                 </a:solidFill>
               </a:rPr>
               <a:pPr/>
-              <a:t>11/14/2023</a:t>
+              <a:t>11/27/2023</a:t>
             </a:fld>
             <a:endParaRPr lang="en-US">
               <a:solidFill>
@@ -1420,7 +1420,7 @@
                 </a:solidFill>
               </a:rPr>
               <a:pPr/>
-              <a:t>11/14/2023</a:t>
+              <a:t>11/27/2023</a:t>
             </a:fld>
             <a:endParaRPr lang="en-US">
               <a:solidFill>
@@ -1698,7 +1698,7 @@
                 </a:solidFill>
               </a:rPr>
               <a:pPr/>
-              <a:t>11/14/2023</a:t>
+              <a:t>11/27/2023</a:t>
             </a:fld>
             <a:endParaRPr lang="en-US">
               <a:solidFill>
@@ -1962,7 +1962,7 @@
                 </a:solidFill>
               </a:rPr>
               <a:pPr/>
-              <a:t>11/14/2023</a:t>
+              <a:t>11/27/2023</a:t>
             </a:fld>
             <a:endParaRPr lang="en-US">
               <a:solidFill>
@@ -2361,7 +2361,7 @@
                 </a:solidFill>
               </a:rPr>
               <a:pPr/>
-              <a:t>11/14/2023</a:t>
+              <a:t>11/27/2023</a:t>
             </a:fld>
             <a:endParaRPr lang="en-US">
               <a:solidFill>
@@ -2511,7 +2511,7 @@
                 </a:solidFill>
               </a:rPr>
               <a:pPr/>
-              <a:t>11/14/2023</a:t>
+              <a:t>11/27/2023</a:t>
             </a:fld>
             <a:endParaRPr lang="en-US">
               <a:solidFill>
@@ -2638,7 +2638,7 @@
                 </a:solidFill>
               </a:rPr>
               <a:pPr/>
-              <a:t>11/14/2023</a:t>
+              <a:t>11/27/2023</a:t>
             </a:fld>
             <a:endParaRPr lang="en-US">
               <a:solidFill>
@@ -2947,7 +2947,7 @@
                 </a:solidFill>
               </a:rPr>
               <a:pPr/>
-              <a:t>11/14/2023</a:t>
+              <a:t>11/27/2023</a:t>
             </a:fld>
             <a:endParaRPr lang="en-US">
               <a:solidFill>
@@ -3236,7 +3236,7 @@
                 </a:solidFill>
               </a:rPr>
               <a:pPr/>
-              <a:t>11/14/2023</a:t>
+              <a:t>11/27/2023</a:t>
             </a:fld>
             <a:endParaRPr lang="en-US">
               <a:solidFill>
@@ -3481,7 +3481,7 @@
                 </a:solidFill>
               </a:rPr>
               <a:pPr/>
-              <a:t>11/14/2023</a:t>
+              <a:t>11/27/2023</a:t>
             </a:fld>
             <a:endParaRPr lang="en-US">
               <a:solidFill>
@@ -3979,12 +3979,8 @@
                 <a:latin typeface="Segoe UI Semilight" panose="020B0402040204020203" pitchFamily="34" charset="0"/>
                 <a:cs typeface="Segoe UI Semilight" panose="020B0402040204020203" pitchFamily="34" charset="0"/>
               </a:rPr>
-              <a:t>In this task you will be presented with 8 circles varying in between red and blue colors.</a:t>
-            </a:r>
-            <a:endParaRPr lang="pl-PL" sz="2200" dirty="0">
-              <a:latin typeface="Segoe UI Semilight" panose="020B0402040204020203" pitchFamily="34" charset="0"/>
-              <a:cs typeface="Segoe UI Semilight" panose="020B0402040204020203" pitchFamily="34" charset="0"/>
-            </a:endParaRPr>
+              <a:t>In this task you will be presented with 8 circles in varying red and blue colors</a:t>
+            </a:r>
           </a:p>
           <a:p>
             <a:pPr marL="419092" indent="-419092">
@@ -4009,19 +4005,8 @@
                 <a:latin typeface="Segoe UI Semilight" panose="020B0402040204020203" pitchFamily="34" charset="0"/>
                 <a:cs typeface="Segoe UI Semilight" panose="020B0402040204020203" pitchFamily="34" charset="0"/>
               </a:rPr>
-              <a:t>We would like to ask you to choose whether </a:t>
-            </a:r>
-            <a:r>
-              <a:rPr lang="en-GB" sz="2200" dirty="0">
-                <a:latin typeface="Segoe UI Semilight" panose="020B0402040204020203" pitchFamily="34" charset="0"/>
-                <a:cs typeface="Segoe UI Semilight" panose="020B0402040204020203" pitchFamily="34" charset="0"/>
-              </a:rPr>
-              <a:t>average color overall circles tends to be more blue or red.</a:t>
-            </a:r>
-            <a:endParaRPr lang="en-US" sz="2200" dirty="0">
-              <a:latin typeface="Segoe UI Semilight" panose="020B0402040204020203" pitchFamily="34" charset="0"/>
-              <a:cs typeface="Segoe UI Semilight" panose="020B0402040204020203" pitchFamily="34" charset="0"/>
-            </a:endParaRPr>
+              <a:t>We would like to ask you to choose whether the average circle color is more blue or more red.</a:t>
+            </a:r>
           </a:p>
           <a:p>
             <a:pPr marL="419092" indent="-419092">
@@ -4046,7 +4031,7 @@
                 <a:latin typeface="Segoe UI Semilight" panose="020B0402040204020203" pitchFamily="34" charset="0"/>
                 <a:cs typeface="Segoe UI Semilight" panose="020B0402040204020203" pitchFamily="34" charset="0"/>
               </a:rPr>
-              <a:t>Please, try to be as fast as possible while trying to give the correct answers.</a:t>
+              <a:t>Please, try to be as fast as possible while trying to give correct answers.</a:t>
             </a:r>
             <a:endParaRPr lang="pl-PL" sz="2200" dirty="0">
               <a:latin typeface="Segoe UI Semilight" panose="020B0402040204020203" pitchFamily="34" charset="0"/>
@@ -4076,7 +4061,7 @@
                 <a:latin typeface="Segoe UI Semilight" panose="020B0402040204020203" pitchFamily="34" charset="0"/>
                 <a:cs typeface="Segoe UI Semilight" panose="020B0402040204020203" pitchFamily="34" charset="0"/>
               </a:rPr>
-              <a:t>First block will have feedback on the correctness of the given answer. </a:t>
+              <a:t>First block you will receive feedback as follows: </a:t>
             </a:r>
             <a:r>
               <a:rPr lang="en-US" sz="2200" b="1" dirty="0">
@@ -4110,39 +4095,6 @@
               <a:cs typeface="Segoe UI Semilight" panose="020B0402040204020203" pitchFamily="34" charset="0"/>
             </a:endParaRPr>
           </a:p>
-          <a:p>
-            <a:pPr marL="419092" indent="-419092">
-              <a:lnSpc>
-                <a:spcPts val="3177"/>
-              </a:lnSpc>
-              <a:spcBef>
-                <a:spcPts val="733"/>
-              </a:spcBef>
-              <a:buClr>
-                <a:schemeClr val="tx1">
-                  <a:lumMod val="50000"/>
-                  <a:lumOff val="50000"/>
-                </a:schemeClr>
-              </a:buClr>
-              <a:buSzPct val="75000"/>
-              <a:buFont typeface="+mj-lt"/>
-              <a:buAutoNum type="arabicPeriod"/>
-            </a:pPr>
-            <a:r>
-              <a:rPr lang="pl-PL" sz="2200" dirty="0">
-                <a:latin typeface="Segoe UI Semilight" panose="020B0402040204020203" pitchFamily="34" charset="0"/>
-                <a:cs typeface="Segoe UI Semilight" panose="020B0402040204020203" pitchFamily="34" charset="0"/>
-              </a:rPr>
-              <a:t>How to answer for each trial:</a:t>
-            </a:r>
-            <a:r>
-              <a:rPr lang="en-US" sz="2200" dirty="0">
-                <a:latin typeface="Segoe UI Semilight" panose="020B0402040204020203" pitchFamily="34" charset="0"/>
-                <a:cs typeface="Segoe UI Semilight" panose="020B0402040204020203" pitchFamily="34" charset="0"/>
-              </a:rPr>
-              <a:t> You will see an example of stimuli in the next page. You can click on “spacebar” </a:t>
-            </a:r>
-          </a:p>
         </p:txBody>
       </p:sp>
       <p:grpSp>
@@ -4153,9 +4105,9 @@
         </p:nvGrpSpPr>
         <p:grpSpPr>
           <a:xfrm>
-            <a:off x="5499209" y="7738861"/>
+            <a:off x="5704949" y="7738861"/>
             <a:ext cx="5300235" cy="656628"/>
-            <a:chOff x="4352643" y="6129572"/>
+            <a:chOff x="4520976" y="6129572"/>
             <a:chExt cx="4336556" cy="537241"/>
           </a:xfrm>
         </p:grpSpPr>
@@ -4197,7 +4149,7 @@
           </p:nvSpPr>
           <p:spPr>
             <a:xfrm>
-              <a:off x="4352643" y="6244303"/>
+              <a:off x="4520976" y="6212910"/>
               <a:ext cx="4336556" cy="290954"/>
             </a:xfrm>
             <a:prstGeom prst="rect">
@@ -4219,7 +4171,7 @@
                   <a:latin typeface="Segoe UI Semilight" panose="020B0402040204020203" pitchFamily="34" charset="0"/>
                   <a:cs typeface="Segoe UI Semilight" panose="020B0402040204020203" pitchFamily="34" charset="0"/>
                 </a:rPr>
-                <a:t>Press to                                         in order to continue</a:t>
+                <a:t>Press                                           in order to continue</a:t>
               </a:r>
               <a:endParaRPr lang="pl-PL" sz="1283" b="1" dirty="0">
                 <a:solidFill>
@@ -4524,7 +4476,7 @@
                 <a:latin typeface="Segoe UI Semilight" panose="020B0402040204020203" pitchFamily="34" charset="0"/>
                 <a:cs typeface="Segoe UI Semilight" panose="020B0402040204020203" pitchFamily="34" charset="0"/>
               </a:rPr>
-              <a:t>As you will see the stimuli for a brief time, you will choose your decision by moving your cursor to either blue or red box.</a:t>
+              <a:t>You will see the stimuli for a brief time, you will make your decision by moving your cursor to either the blue or the red box.</a:t>
             </a:r>
             <a:endParaRPr lang="pl-PL" sz="2200" dirty="0">
               <a:latin typeface="Segoe UI Semilight" panose="020B0402040204020203" pitchFamily="34" charset="0"/>
@@ -4550,7 +4502,7 @@
               <a:buAutoNum type="arabicPeriod"/>
             </a:pPr>
             <a:r>
-              <a:rPr lang="en-US" sz="2200" dirty="0">
+              <a:rPr lang="en-US" sz="2200" u="sng" dirty="0">
                 <a:latin typeface="Segoe UI Semilight" panose="020B0402040204020203" pitchFamily="34" charset="0"/>
                 <a:cs typeface="Segoe UI Semilight" panose="020B0402040204020203" pitchFamily="34" charset="0"/>
               </a:rPr>
@@ -4580,7 +4532,7 @@
                 <a:latin typeface="Segoe UI Semilight" panose="020B0402040204020203" pitchFamily="34" charset="0"/>
                 <a:cs typeface="Segoe UI Semilight" panose="020B0402040204020203" pitchFamily="34" charset="0"/>
               </a:rPr>
-              <a:t>After some time, cursor will move back to the original position and next trial will start.</a:t>
+              <a:t>After you choose the color, move the cursor back to the box at the lower center of the screen.</a:t>
             </a:r>
           </a:p>
           <a:p>
@@ -4606,7 +4558,33 @@
                 <a:latin typeface="Segoe UI Semilight" panose="020B0402040204020203" pitchFamily="34" charset="0"/>
                 <a:cs typeface="Segoe UI Semilight" panose="020B0402040204020203" pitchFamily="34" charset="0"/>
               </a:rPr>
-              <a:t>Please press spacebar after you understand the instructions and start with training</a:t>
+              <a:t>In the next page you will see a short clip of how you should be responding to the stimulus.</a:t>
+            </a:r>
+          </a:p>
+          <a:p>
+            <a:pPr marL="419092" indent="-419092">
+              <a:lnSpc>
+                <a:spcPts val="3177"/>
+              </a:lnSpc>
+              <a:spcBef>
+                <a:spcPts val="733"/>
+              </a:spcBef>
+              <a:buClr>
+                <a:schemeClr val="tx1">
+                  <a:lumMod val="50000"/>
+                  <a:lumOff val="50000"/>
+                </a:schemeClr>
+              </a:buClr>
+              <a:buSzPct val="75000"/>
+              <a:buFont typeface="+mj-lt"/>
+              <a:buAutoNum type="arabicPeriod"/>
+            </a:pPr>
+            <a:r>
+              <a:rPr lang="en-US" sz="2200" dirty="0">
+                <a:latin typeface="Segoe UI Semilight" panose="020B0402040204020203" pitchFamily="34" charset="0"/>
+                <a:cs typeface="Segoe UI Semilight" panose="020B0402040204020203" pitchFamily="34" charset="0"/>
+              </a:rPr>
+              <a:t>After you familiarize yourself with the trial procedure you can press spacebar to start with the training block.</a:t>
             </a:r>
           </a:p>
           <a:p>
@@ -5122,8 +5100,8 @@
         </p:blipFill>
         <p:spPr>
           <a:xfrm>
-            <a:off x="41910" y="3741533"/>
-            <a:ext cx="15156180" cy="4480560"/>
+            <a:off x="0" y="3737610"/>
+            <a:ext cx="15156180" cy="4834890"/>
           </a:xfrm>
           <a:prstGeom prst="rect">
             <a:avLst/>
@@ -5144,9 +5122,9 @@
         </p:nvGrpSpPr>
         <p:grpSpPr>
           <a:xfrm>
-            <a:off x="5499209" y="7738861"/>
+            <a:off x="5727809" y="7738861"/>
             <a:ext cx="5300235" cy="656628"/>
-            <a:chOff x="4352643" y="6129572"/>
+            <a:chOff x="4539679" y="6129572"/>
             <a:chExt cx="4336556" cy="537241"/>
           </a:xfrm>
         </p:grpSpPr>
@@ -5200,7 +5178,7 @@
           </p:nvSpPr>
           <p:spPr>
             <a:xfrm>
-              <a:off x="4352643" y="6244303"/>
+              <a:off x="4539679" y="6235743"/>
               <a:ext cx="4336556" cy="290954"/>
             </a:xfrm>
             <a:prstGeom prst="rect">
@@ -5222,7 +5200,7 @@
                   <a:latin typeface="Segoe UI Semilight" panose="020B0402040204020203" pitchFamily="34" charset="0"/>
                   <a:cs typeface="Segoe UI Semilight" panose="020B0402040204020203" pitchFamily="34" charset="0"/>
                 </a:rPr>
-                <a:t>Press to                                         in order to continue</a:t>
+                <a:t>Press                                          in order to continue</a:t>
               </a:r>
               <a:endParaRPr lang="pl-PL" sz="1283" b="1" dirty="0">
                 <a:solidFill>
@@ -5473,6 +5451,29 @@
               </a:rPr>
               <a:t>Break Time!</a:t>
             </a:r>
+            <a:endParaRPr lang="en-US" dirty="0"/>
+          </a:p>
+          <a:p>
+            <a:pPr marL="0" indent="0" algn="ctr">
+              <a:buNone/>
+            </a:pPr>
+            <a:r>
+              <a:rPr lang="en-US" b="1" dirty="0"/>
+              <a:t>Break :</a:t>
+            </a:r>
+          </a:p>
+          <a:p>
+            <a:pPr marL="0" indent="0" algn="ctr">
+              <a:buNone/>
+            </a:pPr>
+            <a:r>
+              <a:rPr lang="en-US" dirty="0"/>
+              <a:t>Out of </a:t>
+            </a:r>
+            <a:r>
+              <a:rPr lang="en-US" b="1" i="1" u="sng" dirty="0"/>
+              <a:t>9 breaks</a:t>
+            </a:r>
           </a:p>
           <a:p>
             <a:pPr marL="0" indent="0" algn="ctr">
@@ -5485,27 +5486,8 @@
               <a:buNone/>
             </a:pPr>
             <a:r>
-              <a:rPr lang="en-US" b="1" dirty="0"/>
-              <a:t>Break </a:t>
-            </a:r>
-            <a:r>
-              <a:rPr lang="en-US" dirty="0"/>
-              <a:t>out of</a:t>
-            </a:r>
-          </a:p>
-          <a:p>
-            <a:pPr marL="0" indent="0" algn="ctr">
-              <a:buNone/>
-            </a:pPr>
-            <a:endParaRPr lang="en-US" dirty="0"/>
-          </a:p>
-          <a:p>
-            <a:pPr marL="0" indent="0" algn="ctr">
-              <a:buNone/>
-            </a:pPr>
-            <a:r>
               <a:rPr lang="en-US" sz="2933" dirty="0"/>
-              <a:t>Your Average Accuracy</a:t>
+              <a:t>Your Cumulative Average Accuracy</a:t>
             </a:r>
           </a:p>
           <a:p>
@@ -5520,7 +5502,7 @@
             </a:pPr>
             <a:r>
               <a:rPr lang="en-US" sz="2933" dirty="0"/>
-              <a:t>Your Average reaction time</a:t>
+              <a:t>Your Cumulative Average Reaction Time</a:t>
             </a:r>
           </a:p>
           <a:p>
@@ -5534,7 +5516,7 @@
     </p:spTree>
     <p:extLst>
       <p:ext uri="{BB962C8B-B14F-4D97-AF65-F5344CB8AC3E}">
-        <p14:creationId xmlns:p14="http://schemas.microsoft.com/office/powerpoint/2010/main" val="1496315658"/>
+        <p14:creationId xmlns:p14="http://schemas.microsoft.com/office/powerpoint/2010/main" val="2131405345"/>
       </p:ext>
     </p:extLst>
   </p:cSld>
@@ -5713,37 +5695,7 @@
             <a:pPr marL="0" indent="0" algn="ctr">
               <a:buNone/>
             </a:pPr>
-            <a:r>
-              <a:rPr lang="en-US" dirty="0">
-                <a:solidFill>
-                  <a:srgbClr val="00B0F0"/>
-                </a:solidFill>
-              </a:rPr>
-              <a:t>Break Time!</a:t>
-            </a:r>
             <a:endParaRPr lang="en-US" dirty="0"/>
-          </a:p>
-          <a:p>
-            <a:pPr marL="0" indent="0" algn="ctr">
-              <a:buNone/>
-            </a:pPr>
-            <a:r>
-              <a:rPr lang="en-US" b="1" dirty="0"/>
-              <a:t>Break :</a:t>
-            </a:r>
-          </a:p>
-          <a:p>
-            <a:pPr marL="0" indent="0" algn="ctr">
-              <a:buNone/>
-            </a:pPr>
-            <a:r>
-              <a:rPr lang="en-US" dirty="0"/>
-              <a:t>Out of </a:t>
-            </a:r>
-            <a:r>
-              <a:rPr lang="en-US" b="1" i="1" u="sng" dirty="0"/>
-              <a:t>9 breaks</a:t>
-            </a:r>
           </a:p>
           <a:p>
             <a:pPr marL="0" indent="0" algn="ctr">
@@ -5756,24 +5708,34 @@
               <a:buNone/>
             </a:pPr>
             <a:r>
-              <a:rPr lang="en-US" sz="2933" dirty="0"/>
-              <a:t>Your Average Accuracy</a:t>
+              <a:rPr lang="en-US" b="1" dirty="0"/>
+              <a:t>Whenever you are ready</a:t>
             </a:r>
           </a:p>
           <a:p>
             <a:pPr marL="0" indent="0" algn="ctr">
               <a:buNone/>
             </a:pPr>
+            <a:r>
+              <a:rPr lang="en-US" sz="2933" b="1" dirty="0"/>
+              <a:t>You can start the Experiment</a:t>
+            </a:r>
+          </a:p>
+          <a:p>
+            <a:pPr marL="0" indent="0" algn="ctr">
+              <a:buNone/>
+            </a:pPr>
+            <a:r>
+              <a:rPr lang="en-US" sz="2933" b="1" dirty="0"/>
+              <a:t>Good luck </a:t>
+            </a:r>
+            <a:r>
+              <a:rPr lang="en-US" sz="2933" b="1" dirty="0">
+                <a:sym typeface="Wingdings" panose="05000000000000000000" pitchFamily="2" charset="2"/>
+              </a:rPr>
+              <a:t></a:t>
+            </a:r>
             <a:endParaRPr lang="en-US" sz="2933" dirty="0"/>
-          </a:p>
-          <a:p>
-            <a:pPr marL="0" indent="0" algn="ctr">
-              <a:buNone/>
-            </a:pPr>
-            <a:r>
-              <a:rPr lang="en-US" sz="2933" dirty="0"/>
-              <a:t>Your Average reaction time</a:t>
-            </a:r>
           </a:p>
           <a:p>
             <a:pPr marL="0" indent="0" algn="ctr">
@@ -5786,7 +5748,7 @@
     </p:spTree>
     <p:extLst>
       <p:ext uri="{BB962C8B-B14F-4D97-AF65-F5344CB8AC3E}">
-        <p14:creationId xmlns:p14="http://schemas.microsoft.com/office/powerpoint/2010/main" val="2131405345"/>
+        <p14:creationId xmlns:p14="http://schemas.microsoft.com/office/powerpoint/2010/main" val="1496315658"/>
       </p:ext>
     </p:extLst>
   </p:cSld>

--- a/Squircle experiment/Instructions/Instruction Creator.pptx
+++ b/Squircle experiment/Instructions/Instruction Creator.pptx
@@ -10,8 +10,8 @@
   <p:sldIdLst>
     <p:sldId id="305" r:id="rId2"/>
     <p:sldId id="352" r:id="rId3"/>
-    <p:sldId id="351" r:id="rId4"/>
-    <p:sldId id="350" r:id="rId5"/>
+    <p:sldId id="350" r:id="rId4"/>
+    <p:sldId id="351" r:id="rId5"/>
     <p:sldId id="339" r:id="rId6"/>
   </p:sldIdLst>
   <p:sldSz cx="15240000" cy="8572500"/>
@@ -212,7 +212,7 @@
           <a:p>
             <a:fld id="{7BFF3D6E-A2C1-42A8-BCC7-6301B2F86E79}" type="datetimeFigureOut">
               <a:rPr lang="en-GB" smtClean="0"/>
-              <a:t>27/11/2023</a:t>
+              <a:t>10/12/2023</a:t>
             </a:fld>
             <a:endParaRPr lang="en-GB"/>
           </a:p>
@@ -804,7 +804,7 @@
                 </a:solidFill>
               </a:rPr>
               <a:pPr/>
-              <a:t>11/27/2023</a:t>
+              <a:t>12/10/2023</a:t>
             </a:fld>
             <a:endParaRPr lang="en-US">
               <a:solidFill>
@@ -1006,7 +1006,7 @@
                 </a:solidFill>
               </a:rPr>
               <a:pPr/>
-              <a:t>11/27/2023</a:t>
+              <a:t>12/10/2023</a:t>
             </a:fld>
             <a:endParaRPr lang="en-US">
               <a:solidFill>
@@ -1218,7 +1218,7 @@
                 </a:solidFill>
               </a:rPr>
               <a:pPr/>
-              <a:t>11/27/2023</a:t>
+              <a:t>12/10/2023</a:t>
             </a:fld>
             <a:endParaRPr lang="en-US">
               <a:solidFill>
@@ -1420,7 +1420,7 @@
                 </a:solidFill>
               </a:rPr>
               <a:pPr/>
-              <a:t>11/27/2023</a:t>
+              <a:t>12/10/2023</a:t>
             </a:fld>
             <a:endParaRPr lang="en-US">
               <a:solidFill>
@@ -1698,7 +1698,7 @@
                 </a:solidFill>
               </a:rPr>
               <a:pPr/>
-              <a:t>11/27/2023</a:t>
+              <a:t>12/10/2023</a:t>
             </a:fld>
             <a:endParaRPr lang="en-US">
               <a:solidFill>
@@ -1962,7 +1962,7 @@
                 </a:solidFill>
               </a:rPr>
               <a:pPr/>
-              <a:t>11/27/2023</a:t>
+              <a:t>12/10/2023</a:t>
             </a:fld>
             <a:endParaRPr lang="en-US">
               <a:solidFill>
@@ -2361,7 +2361,7 @@
                 </a:solidFill>
               </a:rPr>
               <a:pPr/>
-              <a:t>11/27/2023</a:t>
+              <a:t>12/10/2023</a:t>
             </a:fld>
             <a:endParaRPr lang="en-US">
               <a:solidFill>
@@ -2511,7 +2511,7 @@
                 </a:solidFill>
               </a:rPr>
               <a:pPr/>
-              <a:t>11/27/2023</a:t>
+              <a:t>12/10/2023</a:t>
             </a:fld>
             <a:endParaRPr lang="en-US">
               <a:solidFill>
@@ -2638,7 +2638,7 @@
                 </a:solidFill>
               </a:rPr>
               <a:pPr/>
-              <a:t>11/27/2023</a:t>
+              <a:t>12/10/2023</a:t>
             </a:fld>
             <a:endParaRPr lang="en-US">
               <a:solidFill>
@@ -2947,7 +2947,7 @@
                 </a:solidFill>
               </a:rPr>
               <a:pPr/>
-              <a:t>11/27/2023</a:t>
+              <a:t>12/10/2023</a:t>
             </a:fld>
             <a:endParaRPr lang="en-US">
               <a:solidFill>
@@ -3236,7 +3236,7 @@
                 </a:solidFill>
               </a:rPr>
               <a:pPr/>
-              <a:t>11/27/2023</a:t>
+              <a:t>12/10/2023</a:t>
             </a:fld>
             <a:endParaRPr lang="en-US">
               <a:solidFill>
@@ -3481,7 +3481,7 @@
                 </a:solidFill>
               </a:rPr>
               <a:pPr/>
-              <a:t>11/27/2023</a:t>
+              <a:t>12/10/2023</a:t>
             </a:fld>
             <a:endParaRPr lang="en-US">
               <a:solidFill>
@@ -3979,7 +3979,34 @@
                 <a:latin typeface="Segoe UI Semilight" panose="020B0402040204020203" pitchFamily="34" charset="0"/>
                 <a:cs typeface="Segoe UI Semilight" panose="020B0402040204020203" pitchFamily="34" charset="0"/>
               </a:rPr>
-              <a:t>In this task you will be presented with 8 circles in varying red and blue colors</a:t>
+              <a:t>This Experiment is related to color perception of </a:t>
+            </a:r>
+            <a:r>
+              <a:rPr lang="en-US" sz="2200" dirty="0">
+                <a:solidFill>
+                  <a:srgbClr val="FF0000"/>
+                </a:solidFill>
+                <a:latin typeface="Segoe UI Semilight" panose="020B0402040204020203" pitchFamily="34" charset="0"/>
+                <a:cs typeface="Segoe UI Semilight" panose="020B0402040204020203" pitchFamily="34" charset="0"/>
+              </a:rPr>
+              <a:t>Red</a:t>
+            </a:r>
+            <a:r>
+              <a:rPr lang="en-US" sz="2200" dirty="0">
+                <a:latin typeface="Segoe UI Semilight" panose="020B0402040204020203" pitchFamily="34" charset="0"/>
+                <a:cs typeface="Segoe UI Semilight" panose="020B0402040204020203" pitchFamily="34" charset="0"/>
+              </a:rPr>
+              <a:t> and </a:t>
+            </a:r>
+            <a:r>
+              <a:rPr lang="en-US" sz="2200" dirty="0">
+                <a:solidFill>
+                  <a:srgbClr val="0070C0"/>
+                </a:solidFill>
+                <a:latin typeface="Segoe UI Semilight" panose="020B0402040204020203" pitchFamily="34" charset="0"/>
+                <a:cs typeface="Segoe UI Semilight" panose="020B0402040204020203" pitchFamily="34" charset="0"/>
+              </a:rPr>
+              <a:t>Blue.</a:t>
             </a:r>
           </a:p>
           <a:p>
@@ -4005,7 +4032,41 @@
                 <a:latin typeface="Segoe UI Semilight" panose="020B0402040204020203" pitchFamily="34" charset="0"/>
                 <a:cs typeface="Segoe UI Semilight" panose="020B0402040204020203" pitchFamily="34" charset="0"/>
               </a:rPr>
-              <a:t>We would like to ask you to choose whether the average circle color is more blue or more red.</a:t>
+              <a:t>You will be presented with 8 circles in the middle in varying mixture of </a:t>
+            </a:r>
+            <a:r>
+              <a:rPr lang="en-US" sz="2200" dirty="0">
+                <a:solidFill>
+                  <a:srgbClr val="FF0000"/>
+                </a:solidFill>
+                <a:latin typeface="Segoe UI Semilight" panose="020B0402040204020203" pitchFamily="34" charset="0"/>
+                <a:cs typeface="Segoe UI Semilight" panose="020B0402040204020203" pitchFamily="34" charset="0"/>
+              </a:rPr>
+              <a:t>Red</a:t>
+            </a:r>
+            <a:r>
+              <a:rPr lang="en-US" sz="2200" dirty="0">
+                <a:latin typeface="Segoe UI Semilight" panose="020B0402040204020203" pitchFamily="34" charset="0"/>
+                <a:cs typeface="Segoe UI Semilight" panose="020B0402040204020203" pitchFamily="34" charset="0"/>
+              </a:rPr>
+              <a:t> and </a:t>
+            </a:r>
+            <a:r>
+              <a:rPr lang="en-US" sz="2200" dirty="0">
+                <a:solidFill>
+                  <a:srgbClr val="0070C0"/>
+                </a:solidFill>
+                <a:latin typeface="Segoe UI Semilight" panose="020B0402040204020203" pitchFamily="34" charset="0"/>
+                <a:cs typeface="Segoe UI Semilight" panose="020B0402040204020203" pitchFamily="34" charset="0"/>
+              </a:rPr>
+              <a:t>Blue</a:t>
+            </a:r>
+            <a:r>
+              <a:rPr lang="en-US" sz="2200" dirty="0">
+                <a:latin typeface="Segoe UI Semilight" panose="020B0402040204020203" pitchFamily="34" charset="0"/>
+                <a:cs typeface="Segoe UI Semilight" panose="020B0402040204020203" pitchFamily="34" charset="0"/>
+              </a:rPr>
+              <a:t> colors</a:t>
             </a:r>
           </a:p>
           <a:p>
@@ -4031,12 +4092,42 @@
                 <a:latin typeface="Segoe UI Semilight" panose="020B0402040204020203" pitchFamily="34" charset="0"/>
                 <a:cs typeface="Segoe UI Semilight" panose="020B0402040204020203" pitchFamily="34" charset="0"/>
               </a:rPr>
-              <a:t>Please, try to be as fast as possible while trying to give correct answers.</a:t>
-            </a:r>
-            <a:endParaRPr lang="pl-PL" sz="2200" dirty="0">
-              <a:latin typeface="Segoe UI Semilight" panose="020B0402040204020203" pitchFamily="34" charset="0"/>
-              <a:cs typeface="Segoe UI Semilight" panose="020B0402040204020203" pitchFamily="34" charset="0"/>
-            </a:endParaRPr>
+              <a:t>We would like to ask you to choose whether the average of those colors is closer to </a:t>
+            </a:r>
+            <a:r>
+              <a:rPr lang="en-US" sz="2200" dirty="0">
+                <a:solidFill>
+                  <a:srgbClr val="0070C0"/>
+                </a:solidFill>
+                <a:latin typeface="Segoe UI Semilight" panose="020B0402040204020203" pitchFamily="34" charset="0"/>
+                <a:cs typeface="Segoe UI Semilight" panose="020B0402040204020203" pitchFamily="34" charset="0"/>
+              </a:rPr>
+              <a:t>Blue</a:t>
+            </a:r>
+            <a:r>
+              <a:rPr lang="en-US" sz="2200" dirty="0">
+                <a:latin typeface="Segoe UI Semilight" panose="020B0402040204020203" pitchFamily="34" charset="0"/>
+                <a:cs typeface="Segoe UI Semilight" panose="020B0402040204020203" pitchFamily="34" charset="0"/>
+              </a:rPr>
+              <a:t> or </a:t>
+            </a:r>
+            <a:r>
+              <a:rPr lang="en-US" sz="2200" dirty="0">
+                <a:solidFill>
+                  <a:srgbClr val="FF0000"/>
+                </a:solidFill>
+                <a:latin typeface="Segoe UI Semilight" panose="020B0402040204020203" pitchFamily="34" charset="0"/>
+                <a:cs typeface="Segoe UI Semilight" panose="020B0402040204020203" pitchFamily="34" charset="0"/>
+              </a:rPr>
+              <a:t>Red</a:t>
+            </a:r>
+            <a:r>
+              <a:rPr lang="en-US" sz="2200" dirty="0">
+                <a:latin typeface="Segoe UI Semilight" panose="020B0402040204020203" pitchFamily="34" charset="0"/>
+                <a:cs typeface="Segoe UI Semilight" panose="020B0402040204020203" pitchFamily="34" charset="0"/>
+              </a:rPr>
+              <a:t>.</a:t>
+            </a:r>
           </a:p>
           <a:p>
             <a:pPr marL="419092" indent="-419092">
@@ -4061,39 +4152,8 @@
                 <a:latin typeface="Segoe UI Semilight" panose="020B0402040204020203" pitchFamily="34" charset="0"/>
                 <a:cs typeface="Segoe UI Semilight" panose="020B0402040204020203" pitchFamily="34" charset="0"/>
               </a:rPr>
-              <a:t>First block you will receive feedback as follows: </a:t>
-            </a:r>
-            <a:r>
-              <a:rPr lang="en-US" sz="2200" b="1" dirty="0">
-                <a:solidFill>
-                  <a:srgbClr val="FF0000"/>
-                </a:solidFill>
-                <a:latin typeface="Segoe UI Semilight" panose="020B0402040204020203" pitchFamily="34" charset="0"/>
-                <a:cs typeface="Segoe UI Semilight" panose="020B0402040204020203" pitchFamily="34" charset="0"/>
-              </a:rPr>
-              <a:t>Wrong </a:t>
-            </a:r>
-            <a:r>
-              <a:rPr lang="en-US" sz="2200" dirty="0">
-                <a:latin typeface="Segoe UI Semilight" panose="020B0402040204020203" pitchFamily="34" charset="0"/>
-                <a:cs typeface="Segoe UI Semilight" panose="020B0402040204020203" pitchFamily="34" charset="0"/>
-              </a:rPr>
-              <a:t>or </a:t>
-            </a:r>
-            <a:r>
-              <a:rPr lang="en-US" sz="2200" b="1" dirty="0">
-                <a:solidFill>
-                  <a:srgbClr val="92D050"/>
-                </a:solidFill>
-                <a:latin typeface="Segoe UI Semilight" panose="020B0402040204020203" pitchFamily="34" charset="0"/>
-                <a:cs typeface="Segoe UI Semilight" panose="020B0402040204020203" pitchFamily="34" charset="0"/>
-              </a:rPr>
-              <a:t>Correct</a:t>
-            </a:r>
-            <a:endParaRPr lang="en-US" sz="2200" b="1" dirty="0">
-              <a:latin typeface="Segoe UI Semilight" panose="020B0402040204020203" pitchFamily="34" charset="0"/>
-              <a:cs typeface="Segoe UI Semilight" panose="020B0402040204020203" pitchFamily="34" charset="0"/>
-            </a:endParaRPr>
+              <a:t>You will se an example and further explanations in the next page.</a:t>
+            </a:r>
           </a:p>
         </p:txBody>
       </p:sp>
@@ -4378,6 +4438,74 @@
           </a:p>
         </p:txBody>
       </p:sp>
+      <p:sp>
+        <p:nvSpPr>
+          <p:cNvPr id="6" name="TextBox 5">
+            <a:extLst>
+              <a:ext uri="{FF2B5EF4-FFF2-40B4-BE49-F238E27FC236}">
+                <a16:creationId xmlns:a16="http://schemas.microsoft.com/office/drawing/2014/main" id="{45CC5392-81E0-4D91-16CE-246CD0045996}"/>
+              </a:ext>
+            </a:extLst>
+          </p:cNvPr>
+          <p:cNvSpPr txBox="1"/>
+          <p:nvPr/>
+        </p:nvSpPr>
+        <p:spPr>
+          <a:xfrm>
+            <a:off x="3810953" y="-243501"/>
+            <a:ext cx="7618094" cy="2677656"/>
+          </a:xfrm>
+          <a:prstGeom prst="rect">
+            <a:avLst/>
+          </a:prstGeom>
+          <a:noFill/>
+        </p:spPr>
+        <p:txBody>
+          <a:bodyPr wrap="square">
+            <a:spAutoFit/>
+          </a:bodyPr>
+          <a:lstStyle/>
+          <a:p>
+            <a:pPr marL="0" indent="0" algn="ctr">
+              <a:buNone/>
+            </a:pPr>
+            <a:endParaRPr lang="en-US" sz="2800" dirty="0"/>
+          </a:p>
+          <a:p>
+            <a:pPr marL="0" indent="0" algn="ctr">
+              <a:buNone/>
+            </a:pPr>
+            <a:endParaRPr lang="en-US" sz="2800" dirty="0"/>
+          </a:p>
+          <a:p>
+            <a:pPr marL="0" indent="0" algn="ctr">
+              <a:buNone/>
+            </a:pPr>
+            <a:endParaRPr lang="en-US" sz="2800" dirty="0"/>
+          </a:p>
+          <a:p>
+            <a:pPr marL="0" indent="0" algn="ctr">
+              <a:buNone/>
+            </a:pPr>
+            <a:r>
+              <a:rPr lang="en-US" sz="2800" b="1" dirty="0"/>
+              <a:t>WELCOME TO THE EXPERIMENT!</a:t>
+            </a:r>
+          </a:p>
+          <a:p>
+            <a:pPr marL="0" indent="0" algn="ctr">
+              <a:buNone/>
+            </a:pPr>
+            <a:endParaRPr lang="en-US" sz="2800" dirty="0"/>
+          </a:p>
+          <a:p>
+            <a:pPr marL="0" indent="0" algn="ctr">
+              <a:buNone/>
+            </a:pPr>
+            <a:endParaRPr lang="en-US" sz="2800" dirty="0"/>
+          </a:p>
+        </p:txBody>
+      </p:sp>
     </p:spTree>
     <p:extLst>
       <p:ext uri="{BB962C8B-B14F-4D97-AF65-F5344CB8AC3E}">
@@ -4416,19 +4544,48 @@
           <a:chExt cx="0" cy="0"/>
         </a:xfrm>
       </p:grpSpPr>
-      <p:sp>
-        <p:nvSpPr>
-          <p:cNvPr id="5" name="Content Placeholder 4"/>
-          <p:cNvSpPr>
-            <a:spLocks noGrp="1"/>
-          </p:cNvSpPr>
-          <p:nvPr>
-            <p:ph idx="1"/>
-          </p:nvPr>
-        </p:nvSpPr>
+      <p:pic>
+        <p:nvPicPr>
+          <p:cNvPr id="4" name="Picture 3">
+            <a:extLst>
+              <a:ext uri="{FF2B5EF4-FFF2-40B4-BE49-F238E27FC236}">
+                <a16:creationId xmlns:a16="http://schemas.microsoft.com/office/drawing/2014/main" id="{C2878951-7526-DB6D-4099-F3A2544EBA82}"/>
+              </a:ext>
+            </a:extLst>
+          </p:cNvPr>
+          <p:cNvPicPr>
+            <a:picLocks noChangeAspect="1"/>
+          </p:cNvPicPr>
+          <p:nvPr/>
+        </p:nvPicPr>
+        <p:blipFill rotWithShape="1">
+          <a:blip r:embed="rId3"/>
+          <a:srcRect r="3879" b="20425"/>
+          <a:stretch/>
+        </p:blipFill>
         <p:spPr>
           <a:xfrm>
-            <a:off x="530667" y="221698"/>
+            <a:off x="0" y="3737610"/>
+            <a:ext cx="15156180" cy="4834890"/>
+          </a:xfrm>
+          <a:prstGeom prst="rect">
+            <a:avLst/>
+          </a:prstGeom>
+        </p:spPr>
+      </p:pic>
+      <p:sp>
+        <p:nvSpPr>
+          <p:cNvPr id="5" name="Content Placeholder 4"/>
+          <p:cNvSpPr>
+            <a:spLocks noGrp="1"/>
+          </p:cNvSpPr>
+          <p:nvPr>
+            <p:ph idx="1"/>
+          </p:nvPr>
+        </p:nvSpPr>
+        <p:spPr>
+          <a:xfrm>
+            <a:off x="702962" y="-130211"/>
             <a:ext cx="13834076" cy="7920000"/>
           </a:xfrm>
         </p:spPr>
@@ -4506,7 +4663,7 @@
                 <a:latin typeface="Segoe UI Semilight" panose="020B0402040204020203" pitchFamily="34" charset="0"/>
                 <a:cs typeface="Segoe UI Semilight" panose="020B0402040204020203" pitchFamily="34" charset="0"/>
               </a:rPr>
-              <a:t>You do not need to click on the box after you move your cursor</a:t>
+              <a:t>You do not need to click in any point in this experiment, just move your cursor and it will choose automatically.</a:t>
             </a:r>
           </a:p>
           <a:p>
@@ -4532,7 +4689,7 @@
                 <a:latin typeface="Segoe UI Semilight" panose="020B0402040204020203" pitchFamily="34" charset="0"/>
                 <a:cs typeface="Segoe UI Semilight" panose="020B0402040204020203" pitchFamily="34" charset="0"/>
               </a:rPr>
-              <a:t>After you choose the color, move the cursor back to the box at the lower center of the screen.</a:t>
+              <a:t>After you choose the color, move the cursor back to the white box at the lower center of the screen. </a:t>
             </a:r>
           </a:p>
           <a:p>
@@ -4558,7 +4715,7 @@
                 <a:latin typeface="Segoe UI Semilight" panose="020B0402040204020203" pitchFamily="34" charset="0"/>
                 <a:cs typeface="Segoe UI Semilight" panose="020B0402040204020203" pitchFamily="34" charset="0"/>
               </a:rPr>
-              <a:t>In the next page you will see a short clip of how you should be responding to the stimulus.</a:t>
+              <a:t>In the next page you will see a short clip as to how you should proceed.</a:t>
             </a:r>
           </a:p>
           <a:p>
@@ -4579,13 +4736,10 @@
               <a:buFont typeface="+mj-lt"/>
               <a:buAutoNum type="arabicPeriod"/>
             </a:pPr>
-            <a:r>
-              <a:rPr lang="en-US" sz="2200" dirty="0">
-                <a:latin typeface="Segoe UI Semilight" panose="020B0402040204020203" pitchFamily="34" charset="0"/>
-                <a:cs typeface="Segoe UI Semilight" panose="020B0402040204020203" pitchFamily="34" charset="0"/>
-              </a:rPr>
-              <a:t>After you familiarize yourself with the trial procedure you can press spacebar to start with the training block.</a:t>
-            </a:r>
+            <a:endParaRPr lang="en-US" sz="2200" dirty="0">
+              <a:latin typeface="Segoe UI Semilight" panose="020B0402040204020203" pitchFamily="34" charset="0"/>
+              <a:cs typeface="Segoe UI Semilight" panose="020B0402040204020203" pitchFamily="34" charset="0"/>
+            </a:endParaRPr>
           </a:p>
           <a:p>
             <a:pPr marL="419092" indent="-419092">
@@ -4728,128 +4882,6 @@
               <a:latin typeface="Open Sans" panose="020B0606030504020204" pitchFamily="34" charset="0"/>
             </a:endParaRPr>
           </a:p>
-          <a:p>
-            <a:pPr marL="419092" indent="-419092">
-              <a:lnSpc>
-                <a:spcPts val="3177"/>
-              </a:lnSpc>
-              <a:spcBef>
-                <a:spcPts val="733"/>
-              </a:spcBef>
-              <a:buClr>
-                <a:schemeClr val="tx1">
-                  <a:lumMod val="50000"/>
-                  <a:lumOff val="50000"/>
-                </a:schemeClr>
-              </a:buClr>
-              <a:buSzPct val="75000"/>
-              <a:buFont typeface="+mj-lt"/>
-              <a:buAutoNum type="arabicPeriod"/>
-            </a:pPr>
-            <a:r>
-              <a:rPr lang="en-GB" sz="1467" dirty="0">
-                <a:solidFill>
-                  <a:srgbClr val="000000"/>
-                </a:solidFill>
-                <a:latin typeface="Open Sans" panose="020B0606030504020204" pitchFamily="34" charset="0"/>
-              </a:rPr>
-              <a:t>Press the above-mentioned keys to respond:</a:t>
-            </a:r>
-            <a:endParaRPr lang="pl-PL" sz="2200" dirty="0">
-              <a:latin typeface="Segoe UI Semilight" panose="020B0402040204020203" pitchFamily="34" charset="0"/>
-              <a:cs typeface="Segoe UI Semilight" panose="020B0402040204020203" pitchFamily="34" charset="0"/>
-            </a:endParaRPr>
-          </a:p>
-          <a:p>
-            <a:pPr marL="419092" indent="-419092">
-              <a:lnSpc>
-                <a:spcPts val="3177"/>
-              </a:lnSpc>
-              <a:spcBef>
-                <a:spcPts val="733"/>
-              </a:spcBef>
-              <a:buClr>
-                <a:schemeClr val="tx1">
-                  <a:lumMod val="50000"/>
-                  <a:lumOff val="50000"/>
-                </a:schemeClr>
-              </a:buClr>
-              <a:buSzPct val="75000"/>
-              <a:buFont typeface="+mj-lt"/>
-              <a:buAutoNum type="arabicPeriod"/>
-            </a:pPr>
-            <a:r>
-              <a:rPr lang="en-US" sz="2200" dirty="0">
-                <a:latin typeface="Segoe UI Semilight" panose="020B0402040204020203" pitchFamily="34" charset="0"/>
-                <a:cs typeface="Segoe UI Semilight" panose="020B0402040204020203" pitchFamily="34" charset="0"/>
-              </a:rPr>
-              <a:t>First 40 trial will have feedback on the correctness of the given answer. </a:t>
-            </a:r>
-            <a:endParaRPr lang="en-US" sz="2200" b="1" dirty="0">
-              <a:latin typeface="Segoe UI Semilight" panose="020B0402040204020203" pitchFamily="34" charset="0"/>
-              <a:cs typeface="Segoe UI Semilight" panose="020B0402040204020203" pitchFamily="34" charset="0"/>
-            </a:endParaRPr>
-          </a:p>
-          <a:p>
-            <a:pPr marL="419092" indent="-419092">
-              <a:lnSpc>
-                <a:spcPts val="3177"/>
-              </a:lnSpc>
-              <a:spcBef>
-                <a:spcPts val="733"/>
-              </a:spcBef>
-              <a:buClr>
-                <a:schemeClr val="tx1">
-                  <a:lumMod val="50000"/>
-                  <a:lumOff val="50000"/>
-                </a:schemeClr>
-              </a:buClr>
-              <a:buSzPct val="75000"/>
-              <a:buFont typeface="+mj-lt"/>
-              <a:buAutoNum type="arabicPeriod"/>
-            </a:pPr>
-            <a:r>
-              <a:rPr lang="en-US" sz="2200" dirty="0">
-                <a:latin typeface="Segoe UI Semilight" panose="020B0402040204020203" pitchFamily="34" charset="0"/>
-                <a:cs typeface="Segoe UI Semilight" panose="020B0402040204020203" pitchFamily="34" charset="0"/>
-              </a:rPr>
-              <a:t>This procedure should take around XX – XX minutes.</a:t>
-            </a:r>
-            <a:endParaRPr lang="pl-PL" sz="2200" dirty="0">
-              <a:latin typeface="Segoe UI Semilight" panose="020B0402040204020203" pitchFamily="34" charset="0"/>
-              <a:cs typeface="Segoe UI Semilight" panose="020B0402040204020203" pitchFamily="34" charset="0"/>
-            </a:endParaRPr>
-          </a:p>
-          <a:p>
-            <a:pPr marL="419092" indent="-419092">
-              <a:lnSpc>
-                <a:spcPts val="3177"/>
-              </a:lnSpc>
-              <a:spcBef>
-                <a:spcPts val="733"/>
-              </a:spcBef>
-              <a:buClr>
-                <a:schemeClr val="tx1">
-                  <a:lumMod val="50000"/>
-                  <a:lumOff val="50000"/>
-                </a:schemeClr>
-              </a:buClr>
-              <a:buSzPct val="75000"/>
-              <a:buFont typeface="+mj-lt"/>
-              <a:buAutoNum type="arabicPeriod"/>
-            </a:pPr>
-            <a:r>
-              <a:rPr lang="en-US" sz="2200" dirty="0">
-                <a:latin typeface="Segoe UI Semilight" panose="020B0402040204020203" pitchFamily="34" charset="0"/>
-                <a:cs typeface="Segoe UI Semilight" panose="020B0402040204020203" pitchFamily="34" charset="0"/>
-              </a:rPr>
-              <a:t>You can click on “spacebar” whenever you are ready, and the procedure will begin.</a:t>
-            </a:r>
-            <a:endParaRPr lang="pl-PL" sz="2200" dirty="0">
-              <a:latin typeface="Segoe UI Semilight" panose="020B0402040204020203" pitchFamily="34" charset="0"/>
-              <a:cs typeface="Segoe UI Semilight" panose="020B0402040204020203" pitchFamily="34" charset="0"/>
-            </a:endParaRPr>
-          </a:p>
         </p:txBody>
       </p:sp>
       <p:grpSp>
@@ -4875,7 +4907,7 @@
             <p:nvPr/>
           </p:nvPicPr>
           <p:blipFill>
-            <a:blip r:embed="rId3" cstate="print">
+            <a:blip r:embed="rId4" cstate="print">
               <a:extLst>
                 <a:ext uri="{28A0092B-C50C-407E-A947-70E740481C1C}">
                   <a14:useLocalDpi xmlns:a14="http://schemas.microsoft.com/office/drawing/2010/main" val="0"/>
@@ -4945,7 +4977,13 @@
           <p:cNvGraphicFramePr>
             <a:graphicFrameLocks noGrp="1"/>
           </p:cNvGraphicFramePr>
-          <p:nvPr/>
+          <p:nvPr>
+            <p:extLst>
+              <p:ext uri="{D42A27DB-BD31-4B8C-83A1-F6EECF244321}">
+                <p14:modId xmlns:p14="http://schemas.microsoft.com/office/powerpoint/2010/main" val="3091723190"/>
+              </p:ext>
+            </p:extLst>
+          </p:nvPr>
         </p:nvGraphicFramePr>
         <p:xfrm>
           <a:off x="1077922" y="177012"/>
@@ -4996,34 +5034,6 @@
                         <a:tabLst/>
                         <a:defRPr/>
                       </a:pPr>
-                      <a:r>
-                        <a:rPr lang="pl-PL" sz="1900" dirty="0">
-                          <a:solidFill>
-                            <a:schemeClr val="tx1">
-                              <a:lumMod val="50000"/>
-                              <a:lumOff val="50000"/>
-                            </a:schemeClr>
-                          </a:solidFill>
-                          <a:latin typeface="Adobe Gothic Std B" panose="020B0800000000000000" pitchFamily="34" charset="-128"/>
-                          <a:ea typeface="Adobe Gothic Std B" panose="020B0800000000000000" pitchFamily="34" charset="-128"/>
-                          <a:cs typeface="Segoe UI Semilight" panose="020B0402040204020203" pitchFamily="34" charset="0"/>
-                        </a:rPr>
-                        <a:t>Task: </a:t>
-                      </a:r>
-                      <a:r>
-                        <a:rPr lang="en-US" sz="1900" dirty="0">
-                          <a:solidFill>
-                            <a:schemeClr val="tx1">
-                              <a:lumMod val="50000"/>
-                              <a:lumOff val="50000"/>
-                            </a:schemeClr>
-                          </a:solidFill>
-                          <a:latin typeface="Adobe Gothic Std B" panose="020B0800000000000000" pitchFamily="34" charset="-128"/>
-                          <a:ea typeface="Adobe Gothic Std B" panose="020B0800000000000000" pitchFamily="34" charset="-128"/>
-                          <a:cs typeface="Segoe UI Semilight" panose="020B0402040204020203" pitchFamily="34" charset="0"/>
-                        </a:rPr>
-                        <a:t>Squircle Task</a:t>
-                      </a:r>
                       <a:endParaRPr lang="pl-PL" sz="1900" dirty="0">
                         <a:latin typeface="Segoe UI Semilight" panose="020B0402040204020203" pitchFamily="34" charset="0"/>
                         <a:cs typeface="Segoe UI Semilight" panose="020B0402040204020203" pitchFamily="34" charset="0"/>
@@ -5079,140 +5089,6 @@
           </a:graphicData>
         </a:graphic>
       </p:graphicFrame>
-      <p:pic>
-        <p:nvPicPr>
-          <p:cNvPr id="4" name="Picture 3">
-            <a:extLst>
-              <a:ext uri="{FF2B5EF4-FFF2-40B4-BE49-F238E27FC236}">
-                <a16:creationId xmlns:a16="http://schemas.microsoft.com/office/drawing/2014/main" id="{C2878951-7526-DB6D-4099-F3A2544EBA82}"/>
-              </a:ext>
-            </a:extLst>
-          </p:cNvPr>
-          <p:cNvPicPr>
-            <a:picLocks noChangeAspect="1"/>
-          </p:cNvPicPr>
-          <p:nvPr/>
-        </p:nvPicPr>
-        <p:blipFill rotWithShape="1">
-          <a:blip r:embed="rId4"/>
-          <a:srcRect r="3879" b="20425"/>
-          <a:stretch/>
-        </p:blipFill>
-        <p:spPr>
-          <a:xfrm>
-            <a:off x="0" y="3737610"/>
-            <a:ext cx="15156180" cy="4834890"/>
-          </a:xfrm>
-          <a:prstGeom prst="rect">
-            <a:avLst/>
-          </a:prstGeom>
-        </p:spPr>
-      </p:pic>
-      <p:grpSp>
-        <p:nvGrpSpPr>
-          <p:cNvPr id="3" name="Group 2">
-            <a:extLst>
-              <a:ext uri="{FF2B5EF4-FFF2-40B4-BE49-F238E27FC236}">
-                <a16:creationId xmlns:a16="http://schemas.microsoft.com/office/drawing/2014/main" id="{B07DDB0B-A3FA-CE02-A1AF-0C32F9B569D5}"/>
-              </a:ext>
-            </a:extLst>
-          </p:cNvPr>
-          <p:cNvGrpSpPr/>
-          <p:nvPr/>
-        </p:nvGrpSpPr>
-        <p:grpSpPr>
-          <a:xfrm>
-            <a:off x="5727809" y="7738861"/>
-            <a:ext cx="5300235" cy="656628"/>
-            <a:chOff x="4539679" y="6129572"/>
-            <a:chExt cx="4336556" cy="537241"/>
-          </a:xfrm>
-        </p:grpSpPr>
-        <p:pic>
-          <p:nvPicPr>
-            <p:cNvPr id="6" name="Picture 5">
-              <a:extLst>
-                <a:ext uri="{FF2B5EF4-FFF2-40B4-BE49-F238E27FC236}">
-                  <a16:creationId xmlns:a16="http://schemas.microsoft.com/office/drawing/2014/main" id="{CB83F801-98CB-07BF-F485-2E017726659A}"/>
-                </a:ext>
-              </a:extLst>
-            </p:cNvPr>
-            <p:cNvPicPr>
-              <a:picLocks noChangeAspect="1"/>
-            </p:cNvPicPr>
-            <p:nvPr/>
-          </p:nvPicPr>
-          <p:blipFill>
-            <a:blip r:embed="rId3" cstate="print">
-              <a:extLst>
-                <a:ext uri="{28A0092B-C50C-407E-A947-70E740481C1C}">
-                  <a14:useLocalDpi xmlns:a14="http://schemas.microsoft.com/office/drawing/2010/main" val="0"/>
-                </a:ext>
-              </a:extLst>
-            </a:blip>
-            <a:stretch>
-              <a:fillRect/>
-            </a:stretch>
-          </p:blipFill>
-          <p:spPr>
-            <a:xfrm>
-              <a:off x="5129132" y="6129572"/>
-              <a:ext cx="1860802" cy="537241"/>
-            </a:xfrm>
-            <a:prstGeom prst="rect">
-              <a:avLst/>
-            </a:prstGeom>
-          </p:spPr>
-        </p:pic>
-        <p:sp>
-          <p:nvSpPr>
-            <p:cNvPr id="7" name="TextBox 6">
-              <a:extLst>
-                <a:ext uri="{FF2B5EF4-FFF2-40B4-BE49-F238E27FC236}">
-                  <a16:creationId xmlns:a16="http://schemas.microsoft.com/office/drawing/2014/main" id="{82059250-4505-052D-D1FF-8F36EFB368DA}"/>
-                </a:ext>
-              </a:extLst>
-            </p:cNvPr>
-            <p:cNvSpPr txBox="1"/>
-            <p:nvPr/>
-          </p:nvSpPr>
-          <p:spPr>
-            <a:xfrm>
-              <a:off x="4539679" y="6235743"/>
-              <a:ext cx="4336556" cy="290954"/>
-            </a:xfrm>
-            <a:prstGeom prst="rect">
-              <a:avLst/>
-            </a:prstGeom>
-            <a:noFill/>
-          </p:spPr>
-          <p:txBody>
-            <a:bodyPr wrap="none" rtlCol="0">
-              <a:spAutoFit/>
-            </a:bodyPr>
-            <a:lstStyle/>
-            <a:p>
-              <a:r>
-                <a:rPr lang="en-US" sz="1711" b="1" dirty="0">
-                  <a:solidFill>
-                    <a:prstClr val="black"/>
-                  </a:solidFill>
-                  <a:latin typeface="Segoe UI Semilight" panose="020B0402040204020203" pitchFamily="34" charset="0"/>
-                  <a:cs typeface="Segoe UI Semilight" panose="020B0402040204020203" pitchFamily="34" charset="0"/>
-                </a:rPr>
-                <a:t>Press                                          in order to continue</a:t>
-              </a:r>
-              <a:endParaRPr lang="pl-PL" sz="1283" b="1" dirty="0">
-                <a:solidFill>
-                  <a:prstClr val="black"/>
-                </a:solidFill>
-                <a:latin typeface="Segoe UI Semilight" panose="020B0402040204020203" pitchFamily="34" charset="0"/>
-                <a:cs typeface="Segoe UI Semilight" panose="020B0402040204020203" pitchFamily="34" charset="0"/>
-              </a:endParaRPr>
-            </a:p>
-          </p:txBody>
-        </p:sp>
-      </p:grpSp>
       <p:sp>
         <p:nvSpPr>
           <p:cNvPr id="9" name="TextBox 8">
@@ -5444,22 +5320,68 @@
               <a:buNone/>
             </a:pPr>
             <a:r>
-              <a:rPr lang="en-US" dirty="0">
+              <a:rPr lang="en-US" sz="2800" dirty="0">
+                <a:latin typeface="Segoe UI Semilight" panose="020B0402040204020203" pitchFamily="34" charset="0"/>
+                <a:cs typeface="Segoe UI Semilight" panose="020B0402040204020203" pitchFamily="34" charset="0"/>
+              </a:rPr>
+              <a:t>Only in the first block you will receive feedback as follows: </a:t>
+            </a:r>
+            <a:r>
+              <a:rPr lang="en-US" sz="2800" b="1" dirty="0">
                 <a:solidFill>
-                  <a:srgbClr val="00B0F0"/>
+                  <a:srgbClr val="FF0000"/>
                 </a:solidFill>
+                <a:latin typeface="Segoe UI Semilight" panose="020B0402040204020203" pitchFamily="34" charset="0"/>
+                <a:cs typeface="Segoe UI Semilight" panose="020B0402040204020203" pitchFamily="34" charset="0"/>
               </a:rPr>
-              <a:t>Break Time!</a:t>
-            </a:r>
-            <a:endParaRPr lang="en-US" dirty="0"/>
+              <a:t>Wrong </a:t>
+            </a:r>
+            <a:r>
+              <a:rPr lang="en-US" sz="2800" dirty="0">
+                <a:latin typeface="Segoe UI Semilight" panose="020B0402040204020203" pitchFamily="34" charset="0"/>
+                <a:cs typeface="Segoe UI Semilight" panose="020B0402040204020203" pitchFamily="34" charset="0"/>
+              </a:rPr>
+              <a:t>or </a:t>
+            </a:r>
+            <a:r>
+              <a:rPr lang="en-US" sz="2800" b="1" dirty="0">
+                <a:solidFill>
+                  <a:srgbClr val="92D050"/>
+                </a:solidFill>
+                <a:latin typeface="Segoe UI Semilight" panose="020B0402040204020203" pitchFamily="34" charset="0"/>
+                <a:cs typeface="Segoe UI Semilight" panose="020B0402040204020203" pitchFamily="34" charset="0"/>
+              </a:rPr>
+              <a:t>Correct</a:t>
+            </a:r>
+            <a:endParaRPr lang="en-US" sz="2800" b="1" dirty="0">
+              <a:latin typeface="Segoe UI Semilight" panose="020B0402040204020203" pitchFamily="34" charset="0"/>
+              <a:cs typeface="Segoe UI Semilight" panose="020B0402040204020203" pitchFamily="34" charset="0"/>
+            </a:endParaRPr>
           </a:p>
           <a:p>
             <a:pPr marL="0" indent="0" algn="ctr">
               <a:buNone/>
             </a:pPr>
             <a:r>
-              <a:rPr lang="en-US" b="1" dirty="0"/>
-              <a:t>Break :</a:t>
+              <a:rPr lang="en-US" sz="2400" dirty="0">
+                <a:latin typeface="Segoe UI Semilight" panose="020B0402040204020203" pitchFamily="34" charset="0"/>
+                <a:cs typeface="Segoe UI Semilight" panose="020B0402040204020203" pitchFamily="34" charset="0"/>
+              </a:rPr>
+              <a:t>You will have </a:t>
+            </a:r>
+            <a:r>
+              <a:rPr lang="en-US" sz="2400" u="sng" dirty="0">
+                <a:latin typeface="Segoe UI Semilight" panose="020B0402040204020203" pitchFamily="34" charset="0"/>
+                <a:cs typeface="Segoe UI Semilight" panose="020B0402040204020203" pitchFamily="34" charset="0"/>
+              </a:rPr>
+              <a:t>5 seconds </a:t>
+            </a:r>
+            <a:r>
+              <a:rPr lang="en-US" sz="2400" dirty="0">
+                <a:latin typeface="Segoe UI Semilight" panose="020B0402040204020203" pitchFamily="34" charset="0"/>
+                <a:cs typeface="Segoe UI Semilight" panose="020B0402040204020203" pitchFamily="34" charset="0"/>
+              </a:rPr>
+              <a:t>to respond for each trial</a:t>
             </a:r>
           </a:p>
           <a:p>
@@ -5467,13 +5389,16 @@
               <a:buNone/>
             </a:pPr>
             <a:r>
-              <a:rPr lang="en-US" dirty="0"/>
-              <a:t>Out of </a:t>
-            </a:r>
-            <a:r>
-              <a:rPr lang="en-US" b="1" i="1" u="sng" dirty="0"/>
-              <a:t>9 breaks</a:t>
-            </a:r>
+              <a:rPr lang="en-US" sz="2400" dirty="0">
+                <a:latin typeface="Segoe UI Semilight" panose="020B0402040204020203" pitchFamily="34" charset="0"/>
+                <a:cs typeface="Segoe UI Semilight" panose="020B0402040204020203" pitchFamily="34" charset="0"/>
+              </a:rPr>
+              <a:t>Please, try to be as fast as possible while trying to give correct answers.</a:t>
+            </a:r>
+            <a:endParaRPr lang="pl-PL" sz="2400" dirty="0">
+              <a:latin typeface="Segoe UI Semilight" panose="020B0402040204020203" pitchFamily="34" charset="0"/>
+              <a:cs typeface="Segoe UI Semilight" panose="020B0402040204020203" pitchFamily="34" charset="0"/>
+            </a:endParaRPr>
           </a:p>
           <a:p>
             <a:pPr marL="0" indent="0" algn="ctr">
@@ -5486,9 +5411,34 @@
               <a:buNone/>
             </a:pPr>
             <a:r>
-              <a:rPr lang="en-US" sz="2933" dirty="0"/>
-              <a:t>Your Cumulative Average Accuracy</a:t>
-            </a:r>
+              <a:rPr lang="en-US" sz="3600" b="1" dirty="0"/>
+              <a:t>You can start the Experiment</a:t>
+            </a:r>
+          </a:p>
+          <a:p>
+            <a:pPr marL="0" indent="0" algn="ctr">
+              <a:buNone/>
+            </a:pPr>
+            <a:r>
+              <a:rPr lang="en-US" b="1" dirty="0"/>
+              <a:t>Whenever you are ready</a:t>
+            </a:r>
+          </a:p>
+          <a:p>
+            <a:pPr marL="0" indent="0" algn="ctr">
+              <a:buNone/>
+            </a:pPr>
+            <a:r>
+              <a:rPr lang="en-US" sz="2933" b="1" dirty="0"/>
+              <a:t>Good luck </a:t>
+            </a:r>
+            <a:r>
+              <a:rPr lang="en-US" sz="2933" b="1" dirty="0">
+                <a:sym typeface="Wingdings" panose="05000000000000000000" pitchFamily="2" charset="2"/>
+              </a:rPr>
+              <a:t></a:t>
+            </a:r>
+            <a:endParaRPr lang="en-US" sz="2933" dirty="0"/>
           </a:p>
           <a:p>
             <a:pPr marL="0" indent="0" algn="ctr">
@@ -5496,27 +5446,60 @@
             </a:pPr>
             <a:endParaRPr lang="en-US" sz="2933" dirty="0"/>
           </a:p>
-          <a:p>
-            <a:pPr marL="0" indent="0" algn="ctr">
-              <a:buNone/>
-            </a:pPr>
-            <a:r>
-              <a:rPr lang="en-US" sz="2933" dirty="0"/>
-              <a:t>Your Cumulative Average Reaction Time</a:t>
-            </a:r>
-          </a:p>
-          <a:p>
-            <a:pPr marL="0" indent="0" algn="ctr">
-              <a:buNone/>
-            </a:pPr>
-            <a:endParaRPr lang="en-US" sz="2933" dirty="0"/>
+        </p:txBody>
+      </p:sp>
+      <p:sp>
+        <p:nvSpPr>
+          <p:cNvPr id="2" name="TextBox 1">
+            <a:extLst>
+              <a:ext uri="{FF2B5EF4-FFF2-40B4-BE49-F238E27FC236}">
+                <a16:creationId xmlns:a16="http://schemas.microsoft.com/office/drawing/2014/main" id="{1486237B-054A-EB73-6E80-89C4A6EBAE94}"/>
+              </a:ext>
+            </a:extLst>
+          </p:cNvPr>
+          <p:cNvSpPr txBox="1"/>
+          <p:nvPr/>
+        </p:nvSpPr>
+        <p:spPr>
+          <a:xfrm>
+            <a:off x="7059942" y="7789790"/>
+            <a:ext cx="1050929" cy="355610"/>
+          </a:xfrm>
+          <a:prstGeom prst="rect">
+            <a:avLst/>
+          </a:prstGeom>
+          <a:noFill/>
+        </p:spPr>
+        <p:txBody>
+          <a:bodyPr wrap="none" rtlCol="0">
+            <a:spAutoFit/>
+          </a:bodyPr>
+          <a:lstStyle/>
+          <a:p>
+            <a:r>
+              <a:rPr lang="en-US" sz="1711" b="1" dirty="0">
+                <a:solidFill>
+                  <a:prstClr val="black"/>
+                </a:solidFill>
+                <a:latin typeface="Segoe UI Semilight" panose="020B0402040204020203" pitchFamily="34" charset="0"/>
+                <a:cs typeface="Segoe UI Semilight" panose="020B0402040204020203" pitchFamily="34" charset="0"/>
+              </a:rPr>
+              <a:t>Spacebar</a:t>
+            </a:r>
+            <a:endParaRPr lang="pl-PL" sz="1283" b="1" dirty="0">
+              <a:solidFill>
+                <a:prstClr val="black"/>
+              </a:solidFill>
+              <a:latin typeface="Segoe UI Semilight" panose="020B0402040204020203" pitchFamily="34" charset="0"/>
+              <a:cs typeface="Segoe UI Semilight" panose="020B0402040204020203" pitchFamily="34" charset="0"/>
+            </a:endParaRPr>
           </a:p>
         </p:txBody>
       </p:sp>
     </p:spTree>
     <p:extLst>
       <p:ext uri="{BB962C8B-B14F-4D97-AF65-F5344CB8AC3E}">
-        <p14:creationId xmlns:p14="http://schemas.microsoft.com/office/powerpoint/2010/main" val="2131405345"/>
+        <p14:creationId xmlns:p14="http://schemas.microsoft.com/office/powerpoint/2010/main" val="1496315658"/>
       </p:ext>
     </p:extLst>
   </p:cSld>
@@ -5695,7 +5678,37 @@
             <a:pPr marL="0" indent="0" algn="ctr">
               <a:buNone/>
             </a:pPr>
+            <a:r>
+              <a:rPr lang="en-US" dirty="0">
+                <a:solidFill>
+                  <a:srgbClr val="00B0F0"/>
+                </a:solidFill>
+              </a:rPr>
+              <a:t>Break Time!</a:t>
+            </a:r>
             <a:endParaRPr lang="en-US" dirty="0"/>
+          </a:p>
+          <a:p>
+            <a:pPr marL="0" indent="0" algn="ctr">
+              <a:buNone/>
+            </a:pPr>
+            <a:r>
+              <a:rPr lang="en-US" b="1" dirty="0"/>
+              <a:t>Break :</a:t>
+            </a:r>
+          </a:p>
+          <a:p>
+            <a:pPr marL="0" indent="0" algn="ctr">
+              <a:buNone/>
+            </a:pPr>
+            <a:r>
+              <a:rPr lang="en-US" dirty="0"/>
+              <a:t>Out of </a:t>
+            </a:r>
+            <a:r>
+              <a:rPr lang="en-US" b="1" i="1" u="sng" dirty="0"/>
+              <a:t>9 breaks</a:t>
+            </a:r>
           </a:p>
           <a:p>
             <a:pPr marL="0" indent="0" algn="ctr">
@@ -5708,47 +5721,85 @@
               <a:buNone/>
             </a:pPr>
             <a:r>
-              <a:rPr lang="en-US" b="1" dirty="0"/>
-              <a:t>Whenever you are ready</a:t>
-            </a:r>
-          </a:p>
-          <a:p>
-            <a:pPr marL="0" indent="0" algn="ctr">
-              <a:buNone/>
-            </a:pPr>
-            <a:r>
-              <a:rPr lang="en-US" sz="2933" b="1" dirty="0"/>
-              <a:t>You can start the Experiment</a:t>
-            </a:r>
-          </a:p>
-          <a:p>
-            <a:pPr marL="0" indent="0" algn="ctr">
-              <a:buNone/>
-            </a:pPr>
-            <a:r>
-              <a:rPr lang="en-US" sz="2933" b="1" dirty="0"/>
-              <a:t>Good luck </a:t>
-            </a:r>
-            <a:r>
-              <a:rPr lang="en-US" sz="2933" b="1" dirty="0">
-                <a:sym typeface="Wingdings" panose="05000000000000000000" pitchFamily="2" charset="2"/>
-              </a:rPr>
-              <a:t></a:t>
-            </a:r>
-            <a:endParaRPr lang="en-US" sz="2933" dirty="0"/>
+              <a:rPr lang="en-US" sz="2933" dirty="0"/>
+              <a:t>Your Cumulative Average Accuracy</a:t>
+            </a:r>
           </a:p>
           <a:p>
             <a:pPr marL="0" indent="0" algn="ctr">
               <a:buNone/>
             </a:pPr>
             <a:endParaRPr lang="en-US" sz="2933" dirty="0"/>
+          </a:p>
+          <a:p>
+            <a:pPr marL="0" indent="0" algn="ctr">
+              <a:buNone/>
+            </a:pPr>
+            <a:r>
+              <a:rPr lang="en-US" sz="2933" dirty="0"/>
+              <a:t>Your Cumulative Average Reaction Time</a:t>
+            </a:r>
+          </a:p>
+          <a:p>
+            <a:pPr marL="0" indent="0" algn="ctr">
+              <a:buNone/>
+            </a:pPr>
+            <a:endParaRPr lang="en-US" sz="2933" dirty="0"/>
+          </a:p>
+        </p:txBody>
+      </p:sp>
+      <p:sp>
+        <p:nvSpPr>
+          <p:cNvPr id="2" name="TextBox 1">
+            <a:extLst>
+              <a:ext uri="{FF2B5EF4-FFF2-40B4-BE49-F238E27FC236}">
+                <a16:creationId xmlns:a16="http://schemas.microsoft.com/office/drawing/2014/main" id="{50286086-CDBF-C328-F140-F2D69034AEDF}"/>
+              </a:ext>
+            </a:extLst>
+          </p:cNvPr>
+          <p:cNvSpPr txBox="1"/>
+          <p:nvPr/>
+        </p:nvSpPr>
+        <p:spPr>
+          <a:xfrm>
+            <a:off x="7059942" y="7789790"/>
+            <a:ext cx="1050929" cy="355610"/>
+          </a:xfrm>
+          <a:prstGeom prst="rect">
+            <a:avLst/>
+          </a:prstGeom>
+          <a:noFill/>
+        </p:spPr>
+        <p:txBody>
+          <a:bodyPr wrap="none" rtlCol="0">
+            <a:spAutoFit/>
+          </a:bodyPr>
+          <a:lstStyle/>
+          <a:p>
+            <a:r>
+              <a:rPr lang="en-US" sz="1711" b="1" dirty="0">
+                <a:solidFill>
+                  <a:prstClr val="black"/>
+                </a:solidFill>
+                <a:latin typeface="Segoe UI Semilight" panose="020B0402040204020203" pitchFamily="34" charset="0"/>
+                <a:cs typeface="Segoe UI Semilight" panose="020B0402040204020203" pitchFamily="34" charset="0"/>
+              </a:rPr>
+              <a:t>Spacebar</a:t>
+            </a:r>
+            <a:endParaRPr lang="pl-PL" sz="1283" b="1" dirty="0">
+              <a:solidFill>
+                <a:prstClr val="black"/>
+              </a:solidFill>
+              <a:latin typeface="Segoe UI Semilight" panose="020B0402040204020203" pitchFamily="34" charset="0"/>
+              <a:cs typeface="Segoe UI Semilight" panose="020B0402040204020203" pitchFamily="34" charset="0"/>
+            </a:endParaRPr>
           </a:p>
         </p:txBody>
       </p:sp>
     </p:spTree>
     <p:extLst>
       <p:ext uri="{BB962C8B-B14F-4D97-AF65-F5344CB8AC3E}">
-        <p14:creationId xmlns:p14="http://schemas.microsoft.com/office/powerpoint/2010/main" val="1496315658"/>
+        <p14:creationId xmlns:p14="http://schemas.microsoft.com/office/powerpoint/2010/main" val="2131405345"/>
       </p:ext>
     </p:extLst>
   </p:cSld>
@@ -5955,7 +6006,7 @@
             </a:pPr>
             <a:r>
               <a:rPr lang="en-US" dirty="0"/>
-              <a:t>Assistant will inform you with details.</a:t>
+              <a:t>an assistant will inform you with details.</a:t>
             </a:r>
           </a:p>
           <a:p>
@@ -5967,6 +6018,54 @@
               <a:t>Thank you for your participation!</a:t>
             </a:r>
             <a:endParaRPr lang="en-GB" b="1" i="1" u="sng" dirty="0"/>
+          </a:p>
+        </p:txBody>
+      </p:sp>
+      <p:sp>
+        <p:nvSpPr>
+          <p:cNvPr id="2" name="TextBox 1">
+            <a:extLst>
+              <a:ext uri="{FF2B5EF4-FFF2-40B4-BE49-F238E27FC236}">
+                <a16:creationId xmlns:a16="http://schemas.microsoft.com/office/drawing/2014/main" id="{699082D6-B6CF-9F27-89D6-9D6B009B20D7}"/>
+              </a:ext>
+            </a:extLst>
+          </p:cNvPr>
+          <p:cNvSpPr txBox="1"/>
+          <p:nvPr/>
+        </p:nvSpPr>
+        <p:spPr>
+          <a:xfrm>
+            <a:off x="7059942" y="7789790"/>
+            <a:ext cx="1050929" cy="355610"/>
+          </a:xfrm>
+          <a:prstGeom prst="rect">
+            <a:avLst/>
+          </a:prstGeom>
+          <a:noFill/>
+        </p:spPr>
+        <p:txBody>
+          <a:bodyPr wrap="none" rtlCol="0">
+            <a:spAutoFit/>
+          </a:bodyPr>
+          <a:lstStyle/>
+          <a:p>
+            <a:r>
+              <a:rPr lang="en-US" sz="1711" b="1" dirty="0">
+                <a:solidFill>
+                  <a:prstClr val="black"/>
+                </a:solidFill>
+                <a:latin typeface="Segoe UI Semilight" panose="020B0402040204020203" pitchFamily="34" charset="0"/>
+                <a:cs typeface="Segoe UI Semilight" panose="020B0402040204020203" pitchFamily="34" charset="0"/>
+              </a:rPr>
+              <a:t>Spacebar</a:t>
+            </a:r>
+            <a:endParaRPr lang="pl-PL" sz="1283" b="1" dirty="0">
+              <a:solidFill>
+                <a:prstClr val="black"/>
+              </a:solidFill>
+              <a:latin typeface="Segoe UI Semilight" panose="020B0402040204020203" pitchFamily="34" charset="0"/>
+              <a:cs typeface="Segoe UI Semilight" panose="020B0402040204020203" pitchFamily="34" charset="0"/>
+            </a:endParaRPr>
           </a:p>
         </p:txBody>
       </p:sp>

--- a/Squircle experiment/Instructions/Instruction Creator.pptx
+++ b/Squircle experiment/Instructions/Instruction Creator.pptx
@@ -5,14 +5,15 @@
     <p:sldMasterId id="2147483708" r:id="rId1"/>
   </p:sldMasterIdLst>
   <p:notesMasterIdLst>
-    <p:notesMasterId r:id="rId7"/>
+    <p:notesMasterId r:id="rId8"/>
   </p:notesMasterIdLst>
   <p:sldIdLst>
     <p:sldId id="305" r:id="rId2"/>
     <p:sldId id="352" r:id="rId3"/>
     <p:sldId id="350" r:id="rId4"/>
     <p:sldId id="351" r:id="rId5"/>
-    <p:sldId id="339" r:id="rId6"/>
+    <p:sldId id="353" r:id="rId6"/>
+    <p:sldId id="339" r:id="rId7"/>
   </p:sldIdLst>
   <p:sldSz cx="15240000" cy="8572500"/>
   <p:notesSz cx="6858000" cy="9144000"/>
@@ -212,7 +213,7 @@
           <a:p>
             <a:fld id="{7BFF3D6E-A2C1-42A8-BCC7-6301B2F86E79}" type="datetimeFigureOut">
               <a:rPr lang="en-GB" smtClean="0"/>
-              <a:t>10/12/2023</a:t>
+              <a:t>19/12/2023</a:t>
             </a:fld>
             <a:endParaRPr lang="en-GB"/>
           </a:p>
@@ -804,7 +805,7 @@
                 </a:solidFill>
               </a:rPr>
               <a:pPr/>
-              <a:t>12/10/2023</a:t>
+              <a:t>12/19/2023</a:t>
             </a:fld>
             <a:endParaRPr lang="en-US">
               <a:solidFill>
@@ -1006,7 +1007,7 @@
                 </a:solidFill>
               </a:rPr>
               <a:pPr/>
-              <a:t>12/10/2023</a:t>
+              <a:t>12/19/2023</a:t>
             </a:fld>
             <a:endParaRPr lang="en-US">
               <a:solidFill>
@@ -1218,7 +1219,7 @@
                 </a:solidFill>
               </a:rPr>
               <a:pPr/>
-              <a:t>12/10/2023</a:t>
+              <a:t>12/19/2023</a:t>
             </a:fld>
             <a:endParaRPr lang="en-US">
               <a:solidFill>
@@ -1420,7 +1421,7 @@
                 </a:solidFill>
               </a:rPr>
               <a:pPr/>
-              <a:t>12/10/2023</a:t>
+              <a:t>12/19/2023</a:t>
             </a:fld>
             <a:endParaRPr lang="en-US">
               <a:solidFill>
@@ -1698,7 +1699,7 @@
                 </a:solidFill>
               </a:rPr>
               <a:pPr/>
-              <a:t>12/10/2023</a:t>
+              <a:t>12/19/2023</a:t>
             </a:fld>
             <a:endParaRPr lang="en-US">
               <a:solidFill>
@@ -1962,7 +1963,7 @@
                 </a:solidFill>
               </a:rPr>
               <a:pPr/>
-              <a:t>12/10/2023</a:t>
+              <a:t>12/19/2023</a:t>
             </a:fld>
             <a:endParaRPr lang="en-US">
               <a:solidFill>
@@ -2361,7 +2362,7 @@
                 </a:solidFill>
               </a:rPr>
               <a:pPr/>
-              <a:t>12/10/2023</a:t>
+              <a:t>12/19/2023</a:t>
             </a:fld>
             <a:endParaRPr lang="en-US">
               <a:solidFill>
@@ -2511,7 +2512,7 @@
                 </a:solidFill>
               </a:rPr>
               <a:pPr/>
-              <a:t>12/10/2023</a:t>
+              <a:t>12/19/2023</a:t>
             </a:fld>
             <a:endParaRPr lang="en-US">
               <a:solidFill>
@@ -2638,7 +2639,7 @@
                 </a:solidFill>
               </a:rPr>
               <a:pPr/>
-              <a:t>12/10/2023</a:t>
+              <a:t>12/19/2023</a:t>
             </a:fld>
             <a:endParaRPr lang="en-US">
               <a:solidFill>
@@ -2947,7 +2948,7 @@
                 </a:solidFill>
               </a:rPr>
               <a:pPr/>
-              <a:t>12/10/2023</a:t>
+              <a:t>12/19/2023</a:t>
             </a:fld>
             <a:endParaRPr lang="en-US">
               <a:solidFill>
@@ -3236,7 +3237,7 @@
                 </a:solidFill>
               </a:rPr>
               <a:pPr/>
-              <a:t>12/10/2023</a:t>
+              <a:t>12/19/2023</a:t>
             </a:fld>
             <a:endParaRPr lang="en-US">
               <a:solidFill>
@@ -3481,7 +3482,7 @@
                 </a:solidFill>
               </a:rPr>
               <a:pPr/>
-              <a:t>12/10/2023</a:t>
+              <a:t>12/19/2023</a:t>
             </a:fld>
             <a:endParaRPr lang="en-US">
               <a:solidFill>
@@ -4152,7 +4153,7 @@
                 <a:latin typeface="Segoe UI Semilight" panose="020B0402040204020203" pitchFamily="34" charset="0"/>
                 <a:cs typeface="Segoe UI Semilight" panose="020B0402040204020203" pitchFamily="34" charset="0"/>
               </a:rPr>
-              <a:t>You will se an example and further explanations in the next page.</a:t>
+              <a:t>You will see an example and further explanations in the next page.</a:t>
             </a:r>
           </a:p>
         </p:txBody>
@@ -4165,10 +4166,10 @@
         </p:nvGrpSpPr>
         <p:grpSpPr>
           <a:xfrm>
-            <a:off x="5704949" y="7738861"/>
-            <a:ext cx="5300235" cy="656628"/>
-            <a:chOff x="4520976" y="6129572"/>
-            <a:chExt cx="4336556" cy="537241"/>
+            <a:off x="5419199" y="7738861"/>
+            <a:ext cx="5645041" cy="656628"/>
+            <a:chOff x="4287181" y="6129572"/>
+            <a:chExt cx="4618670" cy="537241"/>
           </a:xfrm>
         </p:grpSpPr>
         <p:pic>
@@ -4209,8 +4210,8 @@
           </p:nvSpPr>
           <p:spPr>
             <a:xfrm>
-              <a:off x="4520976" y="6212910"/>
-              <a:ext cx="4336556" cy="290954"/>
+              <a:off x="4287181" y="6171241"/>
+              <a:ext cx="4618670" cy="290954"/>
             </a:xfrm>
             <a:prstGeom prst="rect">
               <a:avLst/>
@@ -4218,7 +4219,7 @@
             <a:noFill/>
           </p:spPr>
           <p:txBody>
-            <a:bodyPr wrap="none" rtlCol="0">
+            <a:bodyPr wrap="square" rtlCol="0">
               <a:spAutoFit/>
             </a:bodyPr>
             <a:lstStyle/>
@@ -4231,7 +4232,7 @@
                   <a:latin typeface="Segoe UI Semilight" panose="020B0402040204020203" pitchFamily="34" charset="0"/>
                   <a:cs typeface="Segoe UI Semilight" panose="020B0402040204020203" pitchFamily="34" charset="0"/>
                 </a:rPr>
-                <a:t>Press                                           in order to continue</a:t>
+                <a:t>Press the                                         in order to continue</a:t>
               </a:r>
               <a:endParaRPr lang="pl-PL" sz="1283" b="1" dirty="0">
                 <a:solidFill>
@@ -4893,9 +4894,9 @@
         <p:grpSpPr>
           <a:xfrm>
             <a:off x="5499209" y="7738861"/>
-            <a:ext cx="5239319" cy="656628"/>
+            <a:ext cx="5305170" cy="656628"/>
             <a:chOff x="4352643" y="6129572"/>
-            <a:chExt cx="4286716" cy="537241"/>
+            <a:chExt cx="4340594" cy="537241"/>
           </a:xfrm>
         </p:grpSpPr>
         <p:pic>
@@ -4937,7 +4938,7 @@
           <p:spPr>
             <a:xfrm>
               <a:off x="4352643" y="6244303"/>
-              <a:ext cx="4286716" cy="290954"/>
+              <a:ext cx="4340594" cy="290954"/>
             </a:xfrm>
             <a:prstGeom prst="rect">
               <a:avLst/>
@@ -4958,7 +4959,7 @@
                   <a:latin typeface="Segoe UI Semilight" panose="020B0402040204020203" pitchFamily="34" charset="0"/>
                   <a:cs typeface="Segoe UI Semilight" panose="020B0402040204020203" pitchFamily="34" charset="0"/>
                 </a:rPr>
-                <a:t>Press to                                        in order to continue</a:t>
+                <a:t>Press the                                        in order to continue</a:t>
               </a:r>
               <a:endParaRPr lang="pl-PL" sz="1283" b="1" dirty="0">
                 <a:solidFill>
@@ -5190,9 +5191,9 @@
         <p:grpSpPr>
           <a:xfrm>
             <a:off x="5499209" y="7738852"/>
-            <a:ext cx="5361148" cy="693264"/>
+            <a:ext cx="5468677" cy="693264"/>
             <a:chOff x="4352643" y="6129572"/>
-            <a:chExt cx="4386394" cy="567216"/>
+            <a:chExt cx="4474372" cy="567216"/>
           </a:xfrm>
         </p:grpSpPr>
         <p:pic>
@@ -5246,7 +5247,7 @@
           <p:spPr>
             <a:xfrm>
               <a:off x="4352643" y="6244303"/>
-              <a:ext cx="4386394" cy="452485"/>
+              <a:ext cx="4474372" cy="452485"/>
             </a:xfrm>
             <a:prstGeom prst="rect">
               <a:avLst/>
@@ -5267,7 +5268,7 @@
                   <a:latin typeface="Segoe UI Semilight" panose="020B0402040204020203" pitchFamily="34" charset="0"/>
                   <a:cs typeface="Segoe UI Semilight" panose="020B0402040204020203" pitchFamily="34" charset="0"/>
                 </a:rPr>
-                <a:t>Press to                                          in order to continue</a:t>
+                <a:t>Press the                                          in order to continue</a:t>
               </a:r>
             </a:p>
             <a:p>
@@ -5306,7 +5307,7 @@
         </p:spPr>
         <p:txBody>
           <a:bodyPr>
-            <a:normAutofit/>
+            <a:normAutofit lnSpcReduction="10000"/>
           </a:bodyPr>
           <a:lstStyle/>
           <a:p>
@@ -5394,6 +5395,30 @@
                 <a:cs typeface="Segoe UI Semilight" panose="020B0402040204020203" pitchFamily="34" charset="0"/>
               </a:rPr>
               <a:t>Please, try to be as fast as possible while trying to give correct answers.</a:t>
+            </a:r>
+          </a:p>
+          <a:p>
+            <a:pPr marL="0" indent="0" algn="ctr">
+              <a:buNone/>
+            </a:pPr>
+            <a:r>
+              <a:rPr lang="en-US" sz="2400" dirty="0">
+                <a:latin typeface="Segoe UI Semilight" panose="020B0402040204020203" pitchFamily="34" charset="0"/>
+                <a:cs typeface="Segoe UI Semilight" panose="020B0402040204020203" pitchFamily="34" charset="0"/>
+              </a:rPr>
+              <a:t>Training will continue until you reach 60% accuracy in the feedback phase</a:t>
+            </a:r>
+          </a:p>
+          <a:p>
+            <a:pPr marL="0" indent="0" algn="ctr">
+              <a:buNone/>
+            </a:pPr>
+            <a:r>
+              <a:rPr lang="en-US" sz="2400" dirty="0">
+                <a:latin typeface="Segoe UI Semilight" panose="020B0402040204020203" pitchFamily="34" charset="0"/>
+                <a:cs typeface="Segoe UI Semilight" panose="020B0402040204020203" pitchFamily="34" charset="0"/>
+              </a:rPr>
+              <a:t>Please do not stop mouse movement during trial.</a:t>
             </a:r>
             <a:endParaRPr lang="pl-PL" sz="2400" dirty="0">
               <a:latin typeface="Segoe UI Semilight" panose="020B0402040204020203" pitchFamily="34" charset="0"/>
@@ -5549,9 +5574,9 @@
         <p:grpSpPr>
           <a:xfrm>
             <a:off x="5499209" y="7738852"/>
-            <a:ext cx="5361148" cy="693264"/>
+            <a:ext cx="5468677" cy="693264"/>
             <a:chOff x="4352643" y="6129572"/>
-            <a:chExt cx="4386394" cy="567216"/>
+            <a:chExt cx="4474372" cy="567216"/>
           </a:xfrm>
         </p:grpSpPr>
         <p:pic>
@@ -5605,7 +5630,7 @@
           <p:spPr>
             <a:xfrm>
               <a:off x="4352643" y="6244303"/>
-              <a:ext cx="4386394" cy="452485"/>
+              <a:ext cx="4474372" cy="452485"/>
             </a:xfrm>
             <a:prstGeom prst="rect">
               <a:avLst/>
@@ -5626,7 +5651,7 @@
                   <a:latin typeface="Segoe UI Semilight" panose="020B0402040204020203" pitchFamily="34" charset="0"/>
                   <a:cs typeface="Segoe UI Semilight" panose="020B0402040204020203" pitchFamily="34" charset="0"/>
                 </a:rPr>
-                <a:t>Press to                                          in order to continue</a:t>
+                <a:t>Press the                                          in order to continue</a:t>
               </a:r>
             </a:p>
             <a:p>
@@ -5810,6 +5835,86 @@
 </file>
 
 <file path=ppt/slides/slide5.xml><?xml version="1.0" encoding="utf-8"?>
+<p:sld xmlns:a="http://schemas.openxmlformats.org/drawingml/2006/main" xmlns:r="http://schemas.openxmlformats.org/officeDocument/2006/relationships" xmlns:p="http://schemas.openxmlformats.org/presentationml/2006/main">
+  <p:cSld>
+    <p:bg>
+      <p:bgPr>
+        <a:solidFill>
+          <a:srgbClr val="646464"/>
+        </a:solidFill>
+        <a:effectLst/>
+      </p:bgPr>
+    </p:bg>
+    <p:spTree>
+      <p:nvGrpSpPr>
+        <p:cNvPr id="1" name=""/>
+        <p:cNvGrpSpPr/>
+        <p:nvPr/>
+      </p:nvGrpSpPr>
+      <p:grpSpPr>
+        <a:xfrm>
+          <a:off x="0" y="0"/>
+          <a:ext cx="0" cy="0"/>
+          <a:chOff x="0" y="0"/>
+          <a:chExt cx="0" cy="0"/>
+        </a:xfrm>
+      </p:grpSpPr>
+      <p:sp>
+        <p:nvSpPr>
+          <p:cNvPr id="7" name="Content Placeholder 2">
+            <a:extLst>
+              <a:ext uri="{FF2B5EF4-FFF2-40B4-BE49-F238E27FC236}">
+                <a16:creationId xmlns:a16="http://schemas.microsoft.com/office/drawing/2014/main" id="{04062F63-105D-7E7E-60B4-9E43AE4C7D9E}"/>
+              </a:ext>
+            </a:extLst>
+          </p:cNvPr>
+          <p:cNvSpPr>
+            <a:spLocks noGrp="1"/>
+          </p:cNvSpPr>
+          <p:nvPr>
+            <p:ph idx="1"/>
+          </p:nvPr>
+        </p:nvSpPr>
+        <p:spPr>
+          <a:xfrm>
+            <a:off x="4676140" y="3629889"/>
+            <a:ext cx="5887720" cy="656361"/>
+          </a:xfrm>
+        </p:spPr>
+        <p:txBody>
+          <a:bodyPr>
+            <a:noAutofit/>
+          </a:bodyPr>
+          <a:lstStyle/>
+          <a:p>
+            <a:pPr marL="0" indent="0" algn="ctr">
+              <a:buNone/>
+            </a:pPr>
+            <a:r>
+              <a:rPr lang="en-US" sz="4000" dirty="0">
+                <a:solidFill>
+                  <a:srgbClr val="FFFF00"/>
+                </a:solidFill>
+              </a:rPr>
+              <a:t>Please do not stop mouse movement !</a:t>
+            </a:r>
+          </a:p>
+        </p:txBody>
+      </p:sp>
+    </p:spTree>
+    <p:extLst>
+      <p:ext uri="{BB962C8B-B14F-4D97-AF65-F5344CB8AC3E}">
+        <p14:creationId xmlns:p14="http://schemas.microsoft.com/office/powerpoint/2010/main" val="2002161758"/>
+      </p:ext>
+    </p:extLst>
+  </p:cSld>
+  <p:clrMapOvr>
+    <a:masterClrMapping/>
+  </p:clrMapOvr>
+</p:sld>
+</file>
+
+<file path=ppt/slides/slide6.xml><?xml version="1.0" encoding="utf-8"?>
 <p:sld xmlns:a="http://schemas.openxmlformats.org/drawingml/2006/main" xmlns:r="http://schemas.openxmlformats.org/officeDocument/2006/relationships" xmlns:p="http://schemas.openxmlformats.org/presentationml/2006/main">
   <p:cSld>
     <p:bg>
@@ -5849,9 +5954,9 @@
         <p:grpSpPr>
           <a:xfrm>
             <a:off x="5499210" y="7738861"/>
-            <a:ext cx="4748801" cy="656628"/>
+            <a:ext cx="4856328" cy="656628"/>
             <a:chOff x="4352643" y="6129572"/>
-            <a:chExt cx="3885383" cy="537241"/>
+            <a:chExt cx="3973360" cy="537241"/>
           </a:xfrm>
         </p:grpSpPr>
         <p:pic>
@@ -5905,7 +6010,7 @@
           <p:spPr>
             <a:xfrm>
               <a:off x="4352643" y="6244303"/>
-              <a:ext cx="3885383" cy="290954"/>
+              <a:ext cx="3973360" cy="290954"/>
             </a:xfrm>
             <a:prstGeom prst="rect">
               <a:avLst/>
@@ -5926,7 +6031,7 @@
                   <a:latin typeface="Segoe UI Semilight" panose="020B0402040204020203" pitchFamily="34" charset="0"/>
                   <a:cs typeface="Segoe UI Semilight" panose="020B0402040204020203" pitchFamily="34" charset="0"/>
                 </a:rPr>
-                <a:t>Press to                                        in order to exit</a:t>
+                <a:t>Press the                                        in order to exit</a:t>
               </a:r>
               <a:endParaRPr lang="pl-PL" sz="1283" b="1" dirty="0">
                 <a:solidFill>
@@ -6005,8 +6110,12 @@
               <a:buNone/>
             </a:pPr>
             <a:r>
+              <a:rPr lang="en-US"/>
+              <a:t>The assistant </a:t>
+            </a:r>
+            <a:r>
               <a:rPr lang="en-US" dirty="0"/>
-              <a:t>an assistant will inform you with details.</a:t>
+              <a:t>will inform you with details.</a:t>
             </a:r>
           </a:p>
           <a:p>
